--- a/figures/FigM4_subnat_dist_workflow.pptx
+++ b/figures/FigM4_subnat_dist_workflow.pptx
@@ -259,7 +259,7 @@
           <a:p>
             <a:fld id="{CC68C641-C71C-7048-86CB-4959FDF8671D}" type="datetimeFigureOut">
               <a:rPr lang="en-US" smtClean="0"/>
-              <a:t>6/20/21</a:t>
+              <a:t>6/21/21</a:t>
             </a:fld>
             <a:endParaRPr lang="en-US"/>
           </a:p>
@@ -457,7 +457,7 @@
           <a:p>
             <a:fld id="{CC68C641-C71C-7048-86CB-4959FDF8671D}" type="datetimeFigureOut">
               <a:rPr lang="en-US" smtClean="0"/>
-              <a:t>6/20/21</a:t>
+              <a:t>6/21/21</a:t>
             </a:fld>
             <a:endParaRPr lang="en-US"/>
           </a:p>
@@ -665,7 +665,7 @@
           <a:p>
             <a:fld id="{CC68C641-C71C-7048-86CB-4959FDF8671D}" type="datetimeFigureOut">
               <a:rPr lang="en-US" smtClean="0"/>
-              <a:t>6/20/21</a:t>
+              <a:t>6/21/21</a:t>
             </a:fld>
             <a:endParaRPr lang="en-US"/>
           </a:p>
@@ -863,7 +863,7 @@
           <a:p>
             <a:fld id="{CC68C641-C71C-7048-86CB-4959FDF8671D}" type="datetimeFigureOut">
               <a:rPr lang="en-US" smtClean="0"/>
-              <a:t>6/20/21</a:t>
+              <a:t>6/21/21</a:t>
             </a:fld>
             <a:endParaRPr lang="en-US"/>
           </a:p>
@@ -1138,7 +1138,7 @@
           <a:p>
             <a:fld id="{CC68C641-C71C-7048-86CB-4959FDF8671D}" type="datetimeFigureOut">
               <a:rPr lang="en-US" smtClean="0"/>
-              <a:t>6/20/21</a:t>
+              <a:t>6/21/21</a:t>
             </a:fld>
             <a:endParaRPr lang="en-US"/>
           </a:p>
@@ -1403,7 +1403,7 @@
           <a:p>
             <a:fld id="{CC68C641-C71C-7048-86CB-4959FDF8671D}" type="datetimeFigureOut">
               <a:rPr lang="en-US" smtClean="0"/>
-              <a:t>6/20/21</a:t>
+              <a:t>6/21/21</a:t>
             </a:fld>
             <a:endParaRPr lang="en-US"/>
           </a:p>
@@ -1815,7 +1815,7 @@
           <a:p>
             <a:fld id="{CC68C641-C71C-7048-86CB-4959FDF8671D}" type="datetimeFigureOut">
               <a:rPr lang="en-US" smtClean="0"/>
-              <a:t>6/20/21</a:t>
+              <a:t>6/21/21</a:t>
             </a:fld>
             <a:endParaRPr lang="en-US"/>
           </a:p>
@@ -1956,7 +1956,7 @@
           <a:p>
             <a:fld id="{CC68C641-C71C-7048-86CB-4959FDF8671D}" type="datetimeFigureOut">
               <a:rPr lang="en-US" smtClean="0"/>
-              <a:t>6/20/21</a:t>
+              <a:t>6/21/21</a:t>
             </a:fld>
             <a:endParaRPr lang="en-US"/>
           </a:p>
@@ -2069,7 +2069,7 @@
           <a:p>
             <a:fld id="{CC68C641-C71C-7048-86CB-4959FDF8671D}" type="datetimeFigureOut">
               <a:rPr lang="en-US" smtClean="0"/>
-              <a:t>6/20/21</a:t>
+              <a:t>6/21/21</a:t>
             </a:fld>
             <a:endParaRPr lang="en-US"/>
           </a:p>
@@ -2380,7 +2380,7 @@
           <a:p>
             <a:fld id="{CC68C641-C71C-7048-86CB-4959FDF8671D}" type="datetimeFigureOut">
               <a:rPr lang="en-US" smtClean="0"/>
-              <a:t>6/20/21</a:t>
+              <a:t>6/21/21</a:t>
             </a:fld>
             <a:endParaRPr lang="en-US"/>
           </a:p>
@@ -2668,7 +2668,7 @@
           <a:p>
             <a:fld id="{CC68C641-C71C-7048-86CB-4959FDF8671D}" type="datetimeFigureOut">
               <a:rPr lang="en-US" smtClean="0"/>
-              <a:t>6/20/21</a:t>
+              <a:t>6/21/21</a:t>
             </a:fld>
             <a:endParaRPr lang="en-US"/>
           </a:p>
@@ -2909,7 +2909,7 @@
           <a:p>
             <a:fld id="{CC68C641-C71C-7048-86CB-4959FDF8671D}" type="datetimeFigureOut">
               <a:rPr lang="en-US" smtClean="0"/>
-              <a:t>6/20/21</a:t>
+              <a:t>6/21/21</a:t>
             </a:fld>
             <a:endParaRPr lang="en-US"/>
           </a:p>
@@ -3715,7 +3715,7 @@
         <p:spPr>
           <a:xfrm>
             <a:off x="908958" y="4371196"/>
-            <a:ext cx="2816220" cy="646331"/>
+            <a:ext cx="2715039" cy="646331"/>
           </a:xfrm>
           <a:prstGeom prst="rect">
             <a:avLst/>
@@ -3731,16 +3731,6 @@
             <a:r>
               <a:rPr lang="en-US" dirty="0"/>
               <a:t>Data: </a:t>
-            </a:r>
-            <a:r>
-              <a:rPr lang="en-US" dirty="0">
-                <a:solidFill>
-                  <a:schemeClr val="bg1">
-                    <a:lumMod val="65000"/>
-                  </a:schemeClr>
-                </a:solidFill>
-              </a:rPr>
-              <a:t>COSIMO-</a:t>
             </a:r>
             <a:r>
               <a:rPr lang="en-US" dirty="0" err="1">
@@ -3750,7 +3740,7 @@
                   </a:schemeClr>
                 </a:solidFill>
               </a:rPr>
-              <a:t>Aglink</a:t>
+              <a:t>Aglink-Cosimo</a:t>
             </a:r>
             <a:r>
               <a:rPr lang="en-US" dirty="0">
@@ -3814,6 +3804,16 @@
               <a:t>Guided by: </a:t>
             </a:r>
             <a:r>
+              <a:rPr lang="en-US" dirty="0" err="1">
+                <a:solidFill>
+                  <a:schemeClr val="bg1">
+                    <a:lumMod val="65000"/>
+                  </a:schemeClr>
+                </a:solidFill>
+              </a:rPr>
+              <a:t>GENuS</a:t>
+            </a:r>
+            <a:r>
               <a:rPr lang="en-US" dirty="0">
                 <a:solidFill>
                   <a:schemeClr val="bg1">
@@ -3821,7 +3821,7 @@
                   </a:schemeClr>
                 </a:solidFill>
               </a:rPr>
-              <a:t>GENUS database</a:t>
+              <a:t> database</a:t>
             </a:r>
           </a:p>
           <a:p>
